--- a/수업교제/2025/1학기/파이썬 기초07.pptx
+++ b/수업교제/2025/1학기/파이썬 기초07.pptx
@@ -284,7 +284,7 @@
             <a:fld id="{87DE6118-2437-4B30-8E3C-4D2BE6020583}" type="datetimeFigureOut">
               <a:rPr lang="en-US" dirty="0"/>
               <a:pPr/>
-              <a:t>5/13/2025</a:t>
+              <a:t>5/27/2025</a:t>
             </a:fld>
             <a:endParaRPr lang="en-US" dirty="0"/>
           </a:p>
@@ -610,7 +610,7 @@
           <a:p>
             <a:fld id="{87DE6118-2437-4B30-8E3C-4D2BE6020583}" type="datetimeFigureOut">
               <a:rPr lang="en-US" dirty="0"/>
-              <a:t>5/13/2025</a:t>
+              <a:t>5/27/2025</a:t>
             </a:fld>
             <a:endParaRPr lang="en-US" dirty="0"/>
           </a:p>
@@ -785,7 +785,7 @@
           <a:p>
             <a:fld id="{87DE6118-2437-4B30-8E3C-4D2BE6020583}" type="datetimeFigureOut">
               <a:rPr lang="en-US" dirty="0"/>
-              <a:t>5/13/2025</a:t>
+              <a:t>5/27/2025</a:t>
             </a:fld>
             <a:endParaRPr lang="en-US" dirty="0"/>
           </a:p>
@@ -950,7 +950,7 @@
           <a:p>
             <a:fld id="{87DE6118-2437-4B30-8E3C-4D2BE6020583}" type="datetimeFigureOut">
               <a:rPr lang="en-US" dirty="0"/>
-              <a:t>5/13/2025</a:t>
+              <a:t>5/27/2025</a:t>
             </a:fld>
             <a:endParaRPr lang="en-US" dirty="0"/>
           </a:p>
@@ -1223,7 +1223,7 @@
             <a:fld id="{87DE6118-2437-4B30-8E3C-4D2BE6020583}" type="datetimeFigureOut">
               <a:rPr lang="en-US" dirty="0"/>
               <a:pPr/>
-              <a:t>5/13/2025</a:t>
+              <a:t>5/27/2025</a:t>
             </a:fld>
             <a:endParaRPr lang="en-US" dirty="0"/>
           </a:p>
@@ -1613,7 +1613,7 @@
           <a:p>
             <a:fld id="{87DE6118-2437-4B30-8E3C-4D2BE6020583}" type="datetimeFigureOut">
               <a:rPr lang="en-US" dirty="0"/>
-              <a:t>5/13/2025</a:t>
+              <a:t>5/27/2025</a:t>
             </a:fld>
             <a:endParaRPr lang="en-US" dirty="0"/>
           </a:p>
@@ -2085,7 +2085,7 @@
           <a:p>
             <a:fld id="{87DE6118-2437-4B30-8E3C-4D2BE6020583}" type="datetimeFigureOut">
               <a:rPr lang="en-US" dirty="0"/>
-              <a:t>5/13/2025</a:t>
+              <a:t>5/27/2025</a:t>
             </a:fld>
             <a:endParaRPr lang="en-US" dirty="0"/>
           </a:p>
@@ -2198,7 +2198,7 @@
           <a:p>
             <a:fld id="{87DE6118-2437-4B30-8E3C-4D2BE6020583}" type="datetimeFigureOut">
               <a:rPr lang="en-US" dirty="0"/>
-              <a:t>5/13/2025</a:t>
+              <a:t>5/27/2025</a:t>
             </a:fld>
             <a:endParaRPr lang="en-US" dirty="0"/>
           </a:p>
@@ -2288,7 +2288,7 @@
           <a:p>
             <a:fld id="{87DE6118-2437-4B30-8E3C-4D2BE6020583}" type="datetimeFigureOut">
               <a:rPr lang="en-US" dirty="0"/>
-              <a:t>5/13/2025</a:t>
+              <a:t>5/27/2025</a:t>
             </a:fld>
             <a:endParaRPr lang="en-US" dirty="0"/>
           </a:p>
@@ -2630,7 +2630,7 @@
             <a:fld id="{87DE6118-2437-4B30-8E3C-4D2BE6020583}" type="datetimeFigureOut">
               <a:rPr lang="en-US" dirty="0"/>
               <a:pPr/>
-              <a:t>5/13/2025</a:t>
+              <a:t>5/27/2025</a:t>
             </a:fld>
             <a:endParaRPr lang="en-US" dirty="0"/>
           </a:p>
@@ -3015,7 +3015,7 @@
             <a:fld id="{87DE6118-2437-4B30-8E3C-4D2BE6020583}" type="datetimeFigureOut">
               <a:rPr lang="en-US" dirty="0"/>
               <a:pPr/>
-              <a:t>5/13/2025</a:t>
+              <a:t>5/27/2025</a:t>
             </a:fld>
             <a:endParaRPr lang="en-US" dirty="0"/>
           </a:p>
@@ -3290,7 +3290,7 @@
             <a:fld id="{87DE6118-2437-4B30-8E3C-4D2BE6020583}" type="datetimeFigureOut">
               <a:rPr lang="en-US" dirty="0"/>
               <a:pPr/>
-              <a:t>5/13/2025</a:t>
+              <a:t>5/27/2025</a:t>
             </a:fld>
             <a:endParaRPr lang="en-US" dirty="0"/>
           </a:p>
@@ -3845,7 +3845,7 @@
         <p:push/>
       </p:transition>
     </mc:Choice>
-    <mc:Fallback xmlns:dsp="http://schemas.microsoft.com/office/drawing/2008/diagram" xmlns:dgm="http://schemas.openxmlformats.org/drawingml/2006/diagram" xmlns:c="http://schemas.openxmlformats.org/drawingml/2006/chart" xmlns="">
+    <mc:Fallback xmlns="" xmlns:c="http://schemas.openxmlformats.org/drawingml/2006/chart" xmlns:dgm="http://schemas.openxmlformats.org/drawingml/2006/diagram" xmlns:dsp="http://schemas.microsoft.com/office/drawing/2008/diagram">
       <p:transition xmlns:mc="http://schemas.openxmlformats.org/markup-compatibility/2006" xmlns:hp="http://schemas.haansoft.com/office/presentation/8.0" spd="med" mc:Ignorable="hp" hp:hslDur="1000">
         <p:fade/>
       </p:transition>
@@ -4292,7 +4292,15 @@
             </a:r>
             <a:r>
               <a:rPr lang="ko-KR" altLang="en-US" dirty="0"/>
-              <a:t>분 마다 지급 된다</a:t>
+              <a:t>분 마다 지급 되며 이자율은 기본 </a:t>
+            </a:r>
+            <a:r>
+              <a:rPr lang="en-US" altLang="ko-KR" dirty="0"/>
+              <a:t>1% </a:t>
+            </a:r>
+            <a:r>
+              <a:rPr lang="ko-KR" altLang="en-US" dirty="0"/>
+              <a:t>이다</a:t>
             </a:r>
             <a:r>
               <a:rPr lang="en-US" altLang="ko-KR" dirty="0"/>
@@ -4492,8 +4500,8 @@
         </p:nvSpPr>
         <p:spPr bwMode="auto">
           <a:xfrm>
-            <a:off x="1133622" y="2185806"/>
-            <a:ext cx="9977202" cy="3139321"/>
+            <a:off x="1133622" y="2047307"/>
+            <a:ext cx="9977202" cy="3416320"/>
           </a:xfrm>
           <a:prstGeom prst="rect">
             <a:avLst/>
@@ -4669,7 +4677,7 @@
             </a:r>
             <a:r>
               <a:rPr lang="en-US" altLang="ko-KR" dirty="0"/>
-              <a:t>1.0% </a:t>
+              <a:t>4.0% </a:t>
             </a:r>
             <a:r>
               <a:rPr lang="ko-KR" altLang="en-US" dirty="0"/>
@@ -4689,10 +4697,10 @@
             </a:r>
           </a:p>
           <a:p>
-            <a:r>
-              <a:rPr lang="en-US" altLang="ko-KR" dirty="0"/>
-              <a:t>* </a:t>
-            </a:r>
+            <a:pPr marL="285750" indent="-285750">
+              <a:buFont typeface="Arial" panose="020B0604020202020204" pitchFamily="34" charset="0"/>
+              <a:buChar char="•"/>
+            </a:pPr>
             <a:r>
               <a:rPr lang="ko-KR" altLang="en-US" dirty="0"/>
               <a:t>이자는 대출원금 과는 별도이며 상환이 완료 </a:t>
@@ -4706,10 +4714,27 @@
               <a:t> 까지 계속 출금 된다</a:t>
             </a:r>
             <a:r>
-              <a:rPr lang="en-US" altLang="ko-KR"/>
+              <a:rPr lang="en-US" altLang="ko-KR" dirty="0"/>
               <a:t>.</a:t>
             </a:r>
-            <a:endParaRPr lang="en-US" altLang="ko-KR" dirty="0"/>
+          </a:p>
+          <a:p>
+            <a:r>
+              <a:rPr lang="en-US" altLang="ko-KR" dirty="0"/>
+              <a:t>4. (3)</a:t>
+            </a:r>
+            <a:r>
+              <a:rPr lang="ko-KR" altLang="en-US" dirty="0"/>
+              <a:t>에서 출금된 이자는 은행의 금고로 </a:t>
+            </a:r>
+            <a:r>
+              <a:rPr lang="ko-KR" altLang="en-US" dirty="0" err="1"/>
+              <a:t>입급된다</a:t>
+            </a:r>
+            <a:r>
+              <a:rPr lang="en-US" altLang="ko-KR" dirty="0"/>
+              <a:t>. </a:t>
+            </a:r>
           </a:p>
         </p:txBody>
       </p:sp>

--- a/수업교제/2025/1학기/파이썬 기초07.pptx
+++ b/수업교제/2025/1학기/파이썬 기초07.pptx
@@ -8,6 +8,7 @@
     <p:sldId id="256" r:id="rId2"/>
     <p:sldId id="282" r:id="rId3"/>
     <p:sldId id="283" r:id="rId4"/>
+    <p:sldId id="284" r:id="rId5"/>
   </p:sldIdLst>
   <p:sldSz cx="12192000" cy="6858000"/>
   <p:notesSz cx="6858000" cy="9144000"/>
@@ -3845,7 +3846,7 @@
         <p:push/>
       </p:transition>
     </mc:Choice>
-    <mc:Fallback xmlns="" xmlns:c="http://schemas.openxmlformats.org/drawingml/2006/chart" xmlns:dgm="http://schemas.openxmlformats.org/drawingml/2006/diagram" xmlns:dsp="http://schemas.microsoft.com/office/drawing/2008/diagram">
+    <mc:Fallback xmlns:dsp="http://schemas.microsoft.com/office/drawing/2008/diagram" xmlns:dgm="http://schemas.openxmlformats.org/drawingml/2006/diagram" xmlns:c="http://schemas.openxmlformats.org/drawingml/2006/chart" xmlns="">
       <p:transition xmlns:mc="http://schemas.openxmlformats.org/markup-compatibility/2006" xmlns:hp="http://schemas.haansoft.com/office/presentation/8.0" spd="med" mc:Ignorable="hp" hp:hslDur="1000">
         <p:fade/>
       </p:transition>
@@ -4742,6 +4743,290 @@
     <p:extLst>
       <p:ext uri="{BB962C8B-B14F-4D97-AF65-F5344CB8AC3E}">
         <p14:creationId xmlns:p14="http://schemas.microsoft.com/office/powerpoint/2010/main" val="2940347578"/>
+      </p:ext>
+    </p:extLst>
+  </p:cSld>
+  <p:clrMapOvr>
+    <a:masterClrMapping/>
+  </p:clrMapOvr>
+</p:sld>
+</file>
+
+<file path=ppt/slides/slide4.xml><?xml version="1.0" encoding="utf-8"?>
+<p:sld xmlns:a="http://schemas.openxmlformats.org/drawingml/2006/main" xmlns:r="http://schemas.openxmlformats.org/officeDocument/2006/relationships" xmlns:p="http://schemas.openxmlformats.org/presentationml/2006/main">
+  <p:cSld>
+    <p:spTree>
+      <p:nvGrpSpPr>
+        <p:cNvPr id="1" name="">
+          <a:extLst>
+            <a:ext uri="{FF2B5EF4-FFF2-40B4-BE49-F238E27FC236}">
+              <a16:creationId xmlns:a16="http://schemas.microsoft.com/office/drawing/2014/main" id="{1B88115F-F39F-44C7-1CE7-5CE2D7335AAE}"/>
+            </a:ext>
+          </a:extLst>
+        </p:cNvPr>
+        <p:cNvGrpSpPr/>
+        <p:nvPr/>
+      </p:nvGrpSpPr>
+      <p:grpSpPr>
+        <a:xfrm>
+          <a:off x="0" y="0"/>
+          <a:ext cx="0" cy="0"/>
+          <a:chOff x="0" y="0"/>
+          <a:chExt cx="0" cy="0"/>
+        </a:xfrm>
+      </p:grpSpPr>
+      <p:sp>
+        <p:nvSpPr>
+          <p:cNvPr id="4" name="Title 1">
+            <a:extLst>
+              <a:ext uri="{FF2B5EF4-FFF2-40B4-BE49-F238E27FC236}">
+                <a16:creationId xmlns:a16="http://schemas.microsoft.com/office/drawing/2014/main" id="{68EA781F-771A-1D71-39F3-3ED7FD56F896}"/>
+              </a:ext>
+            </a:extLst>
+          </p:cNvPr>
+          <p:cNvSpPr txBox="1">
+            <a:spLocks/>
+          </p:cNvSpPr>
+          <p:nvPr/>
+        </p:nvSpPr>
+        <p:spPr>
+          <a:xfrm>
+            <a:off x="834070" y="974784"/>
+            <a:ext cx="7628443" cy="1190445"/>
+          </a:xfrm>
+          <a:prstGeom prst="rect">
+            <a:avLst/>
+          </a:prstGeom>
+        </p:spPr>
+        <p:txBody>
+          <a:bodyPr vert="horz" lIns="91440" tIns="45720" rIns="91440" bIns="45720" rtlCol="0" anchor="t">
+            <a:normAutofit/>
+          </a:bodyPr>
+          <a:lstStyle>
+            <a:lvl1pPr algn="l" defTabSz="914400" rtl="0" eaLnBrk="1" latinLnBrk="1" hangingPunct="1">
+              <a:lnSpc>
+                <a:spcPct val="89000"/>
+              </a:lnSpc>
+              <a:spcBef>
+                <a:spcPct val="0"/>
+              </a:spcBef>
+              <a:buNone/>
+              <a:defRPr sz="4400" kern="1200" baseline="0">
+                <a:solidFill>
+                  <a:schemeClr val="tx2"/>
+                </a:solidFill>
+                <a:latin typeface="+mj-lt"/>
+                <a:ea typeface="+mj-ea"/>
+                <a:cs typeface="+mj-cs"/>
+              </a:defRPr>
+            </a:lvl1pPr>
+          </a:lstStyle>
+          <a:p>
+            <a:pPr>
+              <a:defRPr/>
+            </a:pPr>
+            <a:r>
+              <a:rPr lang="ko-KR" altLang="en-US" dirty="0"/>
+              <a:t>은행 시스템 응용문제 </a:t>
+            </a:r>
+            <a:r>
+              <a:rPr lang="en-US" altLang="ko-KR" dirty="0"/>
+              <a:t>- </a:t>
+            </a:r>
+            <a:r>
+              <a:rPr lang="ko-KR" altLang="en-US" dirty="0"/>
+              <a:t>심화</a:t>
+            </a:r>
+            <a:endParaRPr lang="ko-KR" altLang="en-US" dirty="0">
+              <a:latin typeface="굴림체"/>
+              <a:ea typeface="굴림체"/>
+            </a:endParaRPr>
+          </a:p>
+        </p:txBody>
+      </p:sp>
+      <p:sp>
+        <p:nvSpPr>
+          <p:cNvPr id="8" name="Rectangle 2">
+            <a:extLst>
+              <a:ext uri="{FF2B5EF4-FFF2-40B4-BE49-F238E27FC236}">
+                <a16:creationId xmlns:a16="http://schemas.microsoft.com/office/drawing/2014/main" id="{823D6679-6324-D3A5-E310-4B81783F5152}"/>
+              </a:ext>
+            </a:extLst>
+          </p:cNvPr>
+          <p:cNvSpPr>
+            <a:spLocks noChangeArrowheads="1"/>
+          </p:cNvSpPr>
+          <p:nvPr/>
+        </p:nvSpPr>
+        <p:spPr bwMode="auto">
+          <a:xfrm>
+            <a:off x="1133622" y="2601306"/>
+            <a:ext cx="9977202" cy="2308324"/>
+          </a:xfrm>
+          <a:prstGeom prst="rect">
+            <a:avLst/>
+          </a:prstGeom>
+          <a:noFill/>
+          <a:ln>
+            <a:noFill/>
+          </a:ln>
+          <a:effectLst/>
+          <a:extLst>
+            <a:ext uri="{909E8E84-426E-40DD-AFC4-6F175D3DCCD1}">
+              <a14:hiddenFill xmlns:a14="http://schemas.microsoft.com/office/drawing/2010/main">
+                <a:solidFill>
+                  <a:schemeClr val="accent1"/>
+                </a:solidFill>
+              </a14:hiddenFill>
+            </a:ext>
+            <a:ext uri="{91240B29-F687-4F45-9708-019B960494DF}">
+              <a14:hiddenLine xmlns:a14="http://schemas.microsoft.com/office/drawing/2010/main" w="9525">
+                <a:solidFill>
+                  <a:schemeClr val="tx1"/>
+                </a:solidFill>
+                <a:miter lim="800000"/>
+                <a:headEnd/>
+                <a:tailEnd/>
+              </a14:hiddenLine>
+            </a:ext>
+            <a:ext uri="{AF507438-7753-43E0-B8FC-AC1667EBCBE1}">
+              <a14:hiddenEffects xmlns:a14="http://schemas.microsoft.com/office/drawing/2010/main">
+                <a:effectLst>
+                  <a:outerShdw dist="35921" dir="2700000" algn="ctr" rotWithShape="0">
+                    <a:schemeClr val="bg2"/>
+                  </a:outerShdw>
+                </a:effectLst>
+              </a14:hiddenEffects>
+            </a:ext>
+          </a:extLst>
+        </p:spPr>
+        <p:txBody>
+          <a:bodyPr vert="horz" wrap="square" lIns="91440" tIns="45720" rIns="91440" bIns="45720" numCol="1" anchor="ctr" anchorCtr="0" compatLnSpc="1">
+            <a:prstTxWarp prst="textNoShape">
+              <a:avLst/>
+            </a:prstTxWarp>
+            <a:spAutoFit/>
+          </a:bodyPr>
+          <a:lstStyle/>
+          <a:p>
+            <a:pPr>
+              <a:buNone/>
+            </a:pPr>
+            <a:r>
+              <a:rPr lang="ko-KR" altLang="en-US" b="1" dirty="0"/>
+              <a:t>🔹 계좌이체 기능</a:t>
+            </a:r>
+            <a:endParaRPr lang="en-US" altLang="ko-KR" dirty="0"/>
+          </a:p>
+          <a:p>
+            <a:pPr>
+              <a:buNone/>
+            </a:pPr>
+            <a:r>
+              <a:rPr lang="ko-KR" altLang="en-US" b="1" dirty="0"/>
+              <a:t>문제 설명</a:t>
+            </a:r>
+          </a:p>
+          <a:p>
+            <a:pPr>
+              <a:buNone/>
+            </a:pPr>
+            <a:r>
+              <a:rPr lang="ko-KR" altLang="en-US" dirty="0"/>
+              <a:t>은행시스템 에서 계좌이체 기능을 추가</a:t>
+            </a:r>
+            <a:r>
+              <a:rPr lang="en-US" altLang="ko-KR" dirty="0"/>
+              <a:t>. </a:t>
+            </a:r>
+            <a:r>
+              <a:rPr lang="ko-KR" altLang="en-US" dirty="0"/>
+              <a:t>내 계좌에서 타인 계좌로 이체 기능을 추가 한다</a:t>
+            </a:r>
+            <a:r>
+              <a:rPr lang="en-US" altLang="ko-KR" dirty="0"/>
+              <a:t>. </a:t>
+            </a:r>
+          </a:p>
+          <a:p>
+            <a:pPr>
+              <a:buNone/>
+            </a:pPr>
+            <a:endParaRPr lang="en-US" altLang="ko-KR" b="1" dirty="0"/>
+          </a:p>
+          <a:p>
+            <a:pPr>
+              <a:buNone/>
+            </a:pPr>
+            <a:r>
+              <a:rPr lang="ko-KR" altLang="en-US" b="1" dirty="0"/>
+              <a:t>문제 요구사항</a:t>
+            </a:r>
+          </a:p>
+          <a:p>
+            <a:pPr>
+              <a:buFont typeface="+mj-lt"/>
+              <a:buAutoNum type="arabicPeriod"/>
+            </a:pPr>
+            <a:r>
+              <a:rPr lang="ko-KR" altLang="en-US" dirty="0"/>
+              <a:t>입출금 시스템을 응용하여 </a:t>
+            </a:r>
+            <a:r>
+              <a:rPr lang="ko-KR" altLang="en-US" dirty="0" err="1"/>
+              <a:t>할수</a:t>
+            </a:r>
+            <a:r>
+              <a:rPr lang="ko-KR" altLang="en-US" dirty="0"/>
+              <a:t> 있다</a:t>
+            </a:r>
+            <a:r>
+              <a:rPr lang="en-US" altLang="ko-KR" dirty="0"/>
+              <a:t>. </a:t>
+            </a:r>
+          </a:p>
+          <a:p>
+            <a:pPr>
+              <a:buFont typeface="+mj-lt"/>
+              <a:buAutoNum type="arabicPeriod"/>
+            </a:pPr>
+            <a:r>
+              <a:rPr lang="ko-KR" altLang="en-US" dirty="0"/>
+              <a:t>이체는 이체할 고객의 이름으로 조회 하여 이체 한다</a:t>
+            </a:r>
+            <a:r>
+              <a:rPr lang="en-US" altLang="ko-KR" dirty="0"/>
+              <a:t>.</a:t>
+            </a:r>
+          </a:p>
+          <a:p>
+            <a:pPr>
+              <a:buFont typeface="+mj-lt"/>
+              <a:buAutoNum type="arabicPeriod"/>
+            </a:pPr>
+            <a:r>
+              <a:rPr lang="ko-KR" altLang="en-US" dirty="0"/>
+              <a:t>이체 금액은 내 계좌의 잔액 이상 혹은 </a:t>
+            </a:r>
+            <a:r>
+              <a:rPr lang="en-US" altLang="ko-KR" dirty="0"/>
+              <a:t>0</a:t>
+            </a:r>
+            <a:r>
+              <a:rPr lang="ko-KR" altLang="en-US" dirty="0"/>
+              <a:t>원은 이체가 불가능 하다</a:t>
+            </a:r>
+            <a:r>
+              <a:rPr lang="en-US" altLang="ko-KR"/>
+              <a:t>.</a:t>
+            </a:r>
+          </a:p>
+        </p:txBody>
+      </p:sp>
+    </p:spTree>
+    <p:extLst>
+      <p:ext uri="{BB962C8B-B14F-4D97-AF65-F5344CB8AC3E}">
+        <p14:creationId xmlns:p14="http://schemas.microsoft.com/office/powerpoint/2010/main" val="1199293051"/>
       </p:ext>
     </p:extLst>
   </p:cSld>

--- a/수업교제/2025/1학기/파이썬 기초07.pptx
+++ b/수업교제/2025/1학기/파이썬 기초07.pptx
@@ -3846,7 +3846,7 @@
         <p:push/>
       </p:transition>
     </mc:Choice>
-    <mc:Fallback xmlns:dsp="http://schemas.microsoft.com/office/drawing/2008/diagram" xmlns:dgm="http://schemas.openxmlformats.org/drawingml/2006/diagram" xmlns:c="http://schemas.openxmlformats.org/drawingml/2006/chart" xmlns="">
+    <mc:Fallback xmlns="" xmlns:c="http://schemas.openxmlformats.org/drawingml/2006/chart" xmlns:dgm="http://schemas.openxmlformats.org/drawingml/2006/diagram" xmlns:dsp="http://schemas.microsoft.com/office/drawing/2008/diagram">
       <p:transition xmlns:mc="http://schemas.openxmlformats.org/markup-compatibility/2006" xmlns:hp="http://schemas.haansoft.com/office/presentation/8.0" spd="med" mc:Ignorable="hp" hp:hslDur="1000">
         <p:fade/>
       </p:transition>
@@ -4860,8 +4860,8 @@
         </p:nvSpPr>
         <p:spPr bwMode="auto">
           <a:xfrm>
-            <a:off x="1133622" y="2601306"/>
-            <a:ext cx="9977202" cy="2308324"/>
+            <a:off x="1133622" y="2047310"/>
+            <a:ext cx="9977202" cy="3416320"/>
           </a:xfrm>
           <a:prstGeom prst="rect">
             <a:avLst/>
@@ -4914,7 +4914,15 @@
             </a:pPr>
             <a:r>
               <a:rPr lang="ko-KR" altLang="en-US" b="1" dirty="0"/>
-              <a:t>🔹 계좌이체 기능</a:t>
+              <a:t>🔹 계좌이체 기능 </a:t>
+            </a:r>
+            <a:r>
+              <a:rPr lang="en-US" altLang="ko-KR" b="1" dirty="0"/>
+              <a:t>, </a:t>
+            </a:r>
+            <a:r>
+              <a:rPr lang="ko-KR" altLang="en-US" b="1" dirty="0"/>
+              <a:t>환전기능 </a:t>
             </a:r>
             <a:endParaRPr lang="en-US" altLang="ko-KR" dirty="0"/>
           </a:p>
@@ -4932,6 +4940,10 @@
               <a:buNone/>
             </a:pPr>
             <a:r>
+              <a:rPr lang="en-US" altLang="ko-KR" dirty="0"/>
+              <a:t>1. </a:t>
+            </a:r>
+            <a:r>
               <a:rPr lang="ko-KR" altLang="en-US" dirty="0"/>
               <a:t>은행시스템 에서 계좌이체 기능을 추가</a:t>
             </a:r>
@@ -4942,6 +4954,39 @@
             <a:r>
               <a:rPr lang="ko-KR" altLang="en-US" dirty="0"/>
               <a:t>내 계좌에서 타인 계좌로 이체 기능을 추가 한다</a:t>
+            </a:r>
+            <a:r>
+              <a:rPr lang="en-US" altLang="ko-KR" dirty="0"/>
+              <a:t>.</a:t>
+            </a:r>
+          </a:p>
+          <a:p>
+            <a:pPr>
+              <a:buNone/>
+            </a:pPr>
+            <a:r>
+              <a:rPr lang="en-US" altLang="ko-KR" dirty="0"/>
+              <a:t>2. </a:t>
+            </a:r>
+            <a:r>
+              <a:rPr lang="ko-KR" altLang="en-US" dirty="0"/>
+              <a:t>환전시스템은 </a:t>
+            </a:r>
+            <a:r>
+              <a:rPr lang="en-US" altLang="ko-KR" dirty="0"/>
+              <a:t>USD</a:t>
+            </a:r>
+            <a:r>
+              <a:rPr lang="ko-KR" altLang="en-US" dirty="0"/>
+              <a:t> 로 만 하며 환율은 </a:t>
+            </a:r>
+            <a:r>
+              <a:rPr lang="en-US" altLang="ko-KR" dirty="0"/>
+              <a:t>1</a:t>
+            </a:r>
+            <a:r>
+              <a:rPr lang="ko-KR" altLang="en-US" dirty="0"/>
+              <a:t>분 마다 변동 된다</a:t>
             </a:r>
             <a:r>
               <a:rPr lang="en-US" altLang="ko-KR" dirty="0"/>
@@ -5017,9 +5062,72 @@
               <a:t>원은 이체가 불가능 하다</a:t>
             </a:r>
             <a:r>
+              <a:rPr lang="en-US" altLang="ko-KR" dirty="0"/>
+              <a:t>.</a:t>
+            </a:r>
+          </a:p>
+          <a:p>
+            <a:pPr>
+              <a:buFont typeface="+mj-lt"/>
+              <a:buAutoNum type="arabicPeriod"/>
+            </a:pPr>
+            <a:r>
+              <a:rPr lang="ko-KR" altLang="en-US" dirty="0"/>
+              <a:t>환전은 내 원화 보유 액보다 </a:t>
+            </a:r>
+            <a:r>
+              <a:rPr lang="ko-KR" altLang="en-US" dirty="0" err="1"/>
+              <a:t>클수</a:t>
+            </a:r>
+            <a:r>
+              <a:rPr lang="ko-KR" altLang="en-US" dirty="0"/>
+              <a:t> 없다</a:t>
+            </a:r>
+            <a:r>
+              <a:rPr lang="en-US" altLang="ko-KR" dirty="0"/>
+              <a:t>.</a:t>
+            </a:r>
+          </a:p>
+          <a:p>
+            <a:pPr>
+              <a:buFont typeface="+mj-lt"/>
+              <a:buAutoNum type="arabicPeriod"/>
+            </a:pPr>
+            <a:r>
+              <a:rPr lang="en-US" altLang="ko-KR" dirty="0"/>
+              <a:t> </a:t>
+            </a:r>
+            <a:r>
+              <a:rPr lang="ko-KR" altLang="en-US" dirty="0"/>
+              <a:t>외화 보유액은 잔액조회시 함께 출력된다</a:t>
+            </a:r>
+            <a:r>
+              <a:rPr lang="en-US" altLang="ko-KR" dirty="0"/>
+              <a:t>.</a:t>
+            </a:r>
+          </a:p>
+          <a:p>
+            <a:pPr>
+              <a:buFont typeface="+mj-lt"/>
+              <a:buAutoNum type="arabicPeriod"/>
+            </a:pPr>
+            <a:r>
+              <a:rPr lang="ko-KR" altLang="en-US" dirty="0"/>
+              <a:t>환율은 </a:t>
+            </a:r>
+            <a:r>
+              <a:rPr lang="en-US" altLang="ko-KR" dirty="0"/>
+              <a:t>1000~2000</a:t>
+            </a:r>
+            <a:r>
+              <a:rPr lang="ko-KR" altLang="en-US" dirty="0"/>
+              <a:t>원 사이에서 랜덤하게 결정 된다</a:t>
+            </a:r>
+            <a:r>
               <a:rPr lang="en-US" altLang="ko-KR"/>
               <a:t>.</a:t>
             </a:r>
+            <a:endParaRPr lang="en-US" altLang="ko-KR" dirty="0"/>
           </a:p>
         </p:txBody>
       </p:sp>

--- a/수업교제/2025/1학기/파이썬 기초07.pptx
+++ b/수업교제/2025/1학기/파이썬 기초07.pptx
@@ -9,6 +9,7 @@
     <p:sldId id="282" r:id="rId3"/>
     <p:sldId id="283" r:id="rId4"/>
     <p:sldId id="284" r:id="rId5"/>
+    <p:sldId id="285" r:id="rId6"/>
   </p:sldIdLst>
   <p:sldSz cx="12192000" cy="6858000"/>
   <p:notesSz cx="6858000" cy="9144000"/>
@@ -285,7 +286,7 @@
             <a:fld id="{87DE6118-2437-4B30-8E3C-4D2BE6020583}" type="datetimeFigureOut">
               <a:rPr lang="en-US" dirty="0"/>
               <a:pPr/>
-              <a:t>5/27/2025</a:t>
+              <a:t>5/29/2025</a:t>
             </a:fld>
             <a:endParaRPr lang="en-US" dirty="0"/>
           </a:p>
@@ -611,7 +612,7 @@
           <a:p>
             <a:fld id="{87DE6118-2437-4B30-8E3C-4D2BE6020583}" type="datetimeFigureOut">
               <a:rPr lang="en-US" dirty="0"/>
-              <a:t>5/27/2025</a:t>
+              <a:t>5/29/2025</a:t>
             </a:fld>
             <a:endParaRPr lang="en-US" dirty="0"/>
           </a:p>
@@ -786,7 +787,7 @@
           <a:p>
             <a:fld id="{87DE6118-2437-4B30-8E3C-4D2BE6020583}" type="datetimeFigureOut">
               <a:rPr lang="en-US" dirty="0"/>
-              <a:t>5/27/2025</a:t>
+              <a:t>5/29/2025</a:t>
             </a:fld>
             <a:endParaRPr lang="en-US" dirty="0"/>
           </a:p>
@@ -951,7 +952,7 @@
           <a:p>
             <a:fld id="{87DE6118-2437-4B30-8E3C-4D2BE6020583}" type="datetimeFigureOut">
               <a:rPr lang="en-US" dirty="0"/>
-              <a:t>5/27/2025</a:t>
+              <a:t>5/29/2025</a:t>
             </a:fld>
             <a:endParaRPr lang="en-US" dirty="0"/>
           </a:p>
@@ -1224,7 +1225,7 @@
             <a:fld id="{87DE6118-2437-4B30-8E3C-4D2BE6020583}" type="datetimeFigureOut">
               <a:rPr lang="en-US" dirty="0"/>
               <a:pPr/>
-              <a:t>5/27/2025</a:t>
+              <a:t>5/29/2025</a:t>
             </a:fld>
             <a:endParaRPr lang="en-US" dirty="0"/>
           </a:p>
@@ -1614,7 +1615,7 @@
           <a:p>
             <a:fld id="{87DE6118-2437-4B30-8E3C-4D2BE6020583}" type="datetimeFigureOut">
               <a:rPr lang="en-US" dirty="0"/>
-              <a:t>5/27/2025</a:t>
+              <a:t>5/29/2025</a:t>
             </a:fld>
             <a:endParaRPr lang="en-US" dirty="0"/>
           </a:p>
@@ -2086,7 +2087,7 @@
           <a:p>
             <a:fld id="{87DE6118-2437-4B30-8E3C-4D2BE6020583}" type="datetimeFigureOut">
               <a:rPr lang="en-US" dirty="0"/>
-              <a:t>5/27/2025</a:t>
+              <a:t>5/29/2025</a:t>
             </a:fld>
             <a:endParaRPr lang="en-US" dirty="0"/>
           </a:p>
@@ -2199,7 +2200,7 @@
           <a:p>
             <a:fld id="{87DE6118-2437-4B30-8E3C-4D2BE6020583}" type="datetimeFigureOut">
               <a:rPr lang="en-US" dirty="0"/>
-              <a:t>5/27/2025</a:t>
+              <a:t>5/29/2025</a:t>
             </a:fld>
             <a:endParaRPr lang="en-US" dirty="0"/>
           </a:p>
@@ -2289,7 +2290,7 @@
           <a:p>
             <a:fld id="{87DE6118-2437-4B30-8E3C-4D2BE6020583}" type="datetimeFigureOut">
               <a:rPr lang="en-US" dirty="0"/>
-              <a:t>5/27/2025</a:t>
+              <a:t>5/29/2025</a:t>
             </a:fld>
             <a:endParaRPr lang="en-US" dirty="0"/>
           </a:p>
@@ -2631,7 +2632,7 @@
             <a:fld id="{87DE6118-2437-4B30-8E3C-4D2BE6020583}" type="datetimeFigureOut">
               <a:rPr lang="en-US" dirty="0"/>
               <a:pPr/>
-              <a:t>5/27/2025</a:t>
+              <a:t>5/29/2025</a:t>
             </a:fld>
             <a:endParaRPr lang="en-US" dirty="0"/>
           </a:p>
@@ -3016,7 +3017,7 @@
             <a:fld id="{87DE6118-2437-4B30-8E3C-4D2BE6020583}" type="datetimeFigureOut">
               <a:rPr lang="en-US" dirty="0"/>
               <a:pPr/>
-              <a:t>5/27/2025</a:t>
+              <a:t>5/29/2025</a:t>
             </a:fld>
             <a:endParaRPr lang="en-US" dirty="0"/>
           </a:p>
@@ -3291,7 +3292,7 @@
             <a:fld id="{87DE6118-2437-4B30-8E3C-4D2BE6020583}" type="datetimeFigureOut">
               <a:rPr lang="en-US" dirty="0"/>
               <a:pPr/>
-              <a:t>5/27/2025</a:t>
+              <a:t>5/29/2025</a:t>
             </a:fld>
             <a:endParaRPr lang="en-US" dirty="0"/>
           </a:p>
@@ -3846,7 +3847,7 @@
         <p:push/>
       </p:transition>
     </mc:Choice>
-    <mc:Fallback xmlns="" xmlns:c="http://schemas.openxmlformats.org/drawingml/2006/chart" xmlns:dgm="http://schemas.openxmlformats.org/drawingml/2006/diagram" xmlns:dsp="http://schemas.microsoft.com/office/drawing/2008/diagram">
+    <mc:Fallback xmlns:dsp="http://schemas.microsoft.com/office/drawing/2008/diagram" xmlns:dgm="http://schemas.openxmlformats.org/drawingml/2006/diagram" xmlns:c="http://schemas.openxmlformats.org/drawingml/2006/chart" xmlns="">
       <p:transition xmlns:mc="http://schemas.openxmlformats.org/markup-compatibility/2006" xmlns:hp="http://schemas.haansoft.com/office/presentation/8.0" spd="med" mc:Ignorable="hp" hp:hslDur="1000">
         <p:fade/>
       </p:transition>
@@ -4416,6 +4417,36 @@
           <a:chExt cx="0" cy="0"/>
         </a:xfrm>
       </p:grpSpPr>
+      <p:pic>
+        <p:nvPicPr>
+          <p:cNvPr id="3" name="그림 2">
+            <a:extLst>
+              <a:ext uri="{FF2B5EF4-FFF2-40B4-BE49-F238E27FC236}">
+                <a16:creationId xmlns:a16="http://schemas.microsoft.com/office/drawing/2014/main" id="{7014895E-31CA-CC6C-105A-0AD3902655E2}"/>
+              </a:ext>
+            </a:extLst>
+          </p:cNvPr>
+          <p:cNvPicPr>
+            <a:picLocks noChangeAspect="1"/>
+          </p:cNvPicPr>
+          <p:nvPr/>
+        </p:nvPicPr>
+        <p:blipFill>
+          <a:blip r:embed="rId2"/>
+          <a:stretch>
+            <a:fillRect/>
+          </a:stretch>
+        </p:blipFill>
+        <p:spPr>
+          <a:xfrm>
+            <a:off x="10489418" y="4917056"/>
+            <a:ext cx="1702582" cy="1940943"/>
+          </a:xfrm>
+          <a:prstGeom prst="rect">
+            <a:avLst/>
+          </a:prstGeom>
+        </p:spPr>
+      </p:pic>
       <p:sp>
         <p:nvSpPr>
           <p:cNvPr id="4" name="Title 1">
@@ -5124,17 +5155,482 @@
               <a:t>원 사이에서 랜덤하게 결정 된다</a:t>
             </a:r>
             <a:r>
-              <a:rPr lang="en-US" altLang="ko-KR"/>
+              <a:rPr lang="en-US" altLang="ko-KR" dirty="0"/>
               <a:t>.</a:t>
             </a:r>
-            <a:endParaRPr lang="en-US" altLang="ko-KR" dirty="0"/>
-          </a:p>
-        </p:txBody>
-      </p:sp>
+          </a:p>
+        </p:txBody>
+      </p:sp>
+      <p:pic>
+        <p:nvPicPr>
+          <p:cNvPr id="2" name="그림 1">
+            <a:extLst>
+              <a:ext uri="{FF2B5EF4-FFF2-40B4-BE49-F238E27FC236}">
+                <a16:creationId xmlns:a16="http://schemas.microsoft.com/office/drawing/2014/main" id="{3486AC55-0CB1-D18E-FA2D-AE474B61A684}"/>
+              </a:ext>
+            </a:extLst>
+          </p:cNvPr>
+          <p:cNvPicPr>
+            <a:picLocks noChangeAspect="1"/>
+          </p:cNvPicPr>
+          <p:nvPr/>
+        </p:nvPicPr>
+        <p:blipFill>
+          <a:blip r:embed="rId2"/>
+          <a:stretch>
+            <a:fillRect/>
+          </a:stretch>
+        </p:blipFill>
+        <p:spPr>
+          <a:xfrm>
+            <a:off x="10489418" y="4917056"/>
+            <a:ext cx="1702582" cy="1940943"/>
+          </a:xfrm>
+          <a:prstGeom prst="rect">
+            <a:avLst/>
+          </a:prstGeom>
+        </p:spPr>
+      </p:pic>
     </p:spTree>
     <p:extLst>
       <p:ext uri="{BB962C8B-B14F-4D97-AF65-F5344CB8AC3E}">
         <p14:creationId xmlns:p14="http://schemas.microsoft.com/office/powerpoint/2010/main" val="1199293051"/>
+      </p:ext>
+    </p:extLst>
+  </p:cSld>
+  <p:clrMapOvr>
+    <a:masterClrMapping/>
+  </p:clrMapOvr>
+</p:sld>
+</file>
+
+<file path=ppt/slides/slide5.xml><?xml version="1.0" encoding="utf-8"?>
+<p:sld xmlns:a="http://schemas.openxmlformats.org/drawingml/2006/main" xmlns:r="http://schemas.openxmlformats.org/officeDocument/2006/relationships" xmlns:p="http://schemas.openxmlformats.org/presentationml/2006/main">
+  <p:cSld>
+    <p:spTree>
+      <p:nvGrpSpPr>
+        <p:cNvPr id="1" name="">
+          <a:extLst>
+            <a:ext uri="{FF2B5EF4-FFF2-40B4-BE49-F238E27FC236}">
+              <a16:creationId xmlns:a16="http://schemas.microsoft.com/office/drawing/2014/main" id="{40A6BE37-5AF8-EF94-BC52-7B669C3C6AE1}"/>
+            </a:ext>
+          </a:extLst>
+        </p:cNvPr>
+        <p:cNvGrpSpPr/>
+        <p:nvPr/>
+      </p:nvGrpSpPr>
+      <p:grpSpPr>
+        <a:xfrm>
+          <a:off x="0" y="0"/>
+          <a:ext cx="0" cy="0"/>
+          <a:chOff x="0" y="0"/>
+          <a:chExt cx="0" cy="0"/>
+        </a:xfrm>
+      </p:grpSpPr>
+      <p:sp>
+        <p:nvSpPr>
+          <p:cNvPr id="4" name="Title 1">
+            <a:extLst>
+              <a:ext uri="{FF2B5EF4-FFF2-40B4-BE49-F238E27FC236}">
+                <a16:creationId xmlns:a16="http://schemas.microsoft.com/office/drawing/2014/main" id="{93ABD77E-9BDD-4572-3FF2-477797CEE2FE}"/>
+              </a:ext>
+            </a:extLst>
+          </p:cNvPr>
+          <p:cNvSpPr txBox="1">
+            <a:spLocks/>
+          </p:cNvSpPr>
+          <p:nvPr/>
+        </p:nvSpPr>
+        <p:spPr>
+          <a:xfrm>
+            <a:off x="834070" y="974784"/>
+            <a:ext cx="7628443" cy="1190445"/>
+          </a:xfrm>
+          <a:prstGeom prst="rect">
+            <a:avLst/>
+          </a:prstGeom>
+        </p:spPr>
+        <p:txBody>
+          <a:bodyPr vert="horz" lIns="91440" tIns="45720" rIns="91440" bIns="45720" rtlCol="0" anchor="t">
+            <a:normAutofit/>
+          </a:bodyPr>
+          <a:lstStyle>
+            <a:lvl1pPr algn="l" defTabSz="914400" rtl="0" eaLnBrk="1" latinLnBrk="1" hangingPunct="1">
+              <a:lnSpc>
+                <a:spcPct val="89000"/>
+              </a:lnSpc>
+              <a:spcBef>
+                <a:spcPct val="0"/>
+              </a:spcBef>
+              <a:buNone/>
+              <a:defRPr sz="4400" kern="1200" baseline="0">
+                <a:solidFill>
+                  <a:schemeClr val="tx2"/>
+                </a:solidFill>
+                <a:latin typeface="+mj-lt"/>
+                <a:ea typeface="+mj-ea"/>
+                <a:cs typeface="+mj-cs"/>
+              </a:defRPr>
+            </a:lvl1pPr>
+          </a:lstStyle>
+          <a:p>
+            <a:pPr>
+              <a:defRPr/>
+            </a:pPr>
+            <a:r>
+              <a:rPr lang="ko-KR" altLang="en-US" dirty="0"/>
+              <a:t>은행 시스템 응용문제 </a:t>
+            </a:r>
+            <a:r>
+              <a:rPr lang="en-US" altLang="ko-KR" dirty="0"/>
+              <a:t>- </a:t>
+            </a:r>
+            <a:r>
+              <a:rPr lang="ko-KR" altLang="en-US" dirty="0"/>
+              <a:t>심화</a:t>
+            </a:r>
+            <a:endParaRPr lang="ko-KR" altLang="en-US" dirty="0">
+              <a:latin typeface="굴림체"/>
+              <a:ea typeface="굴림체"/>
+            </a:endParaRPr>
+          </a:p>
+        </p:txBody>
+      </p:sp>
+      <p:sp>
+        <p:nvSpPr>
+          <p:cNvPr id="8" name="Rectangle 2">
+            <a:extLst>
+              <a:ext uri="{FF2B5EF4-FFF2-40B4-BE49-F238E27FC236}">
+                <a16:creationId xmlns:a16="http://schemas.microsoft.com/office/drawing/2014/main" id="{2E6C185F-F122-59E1-C9B1-86C9A7117200}"/>
+              </a:ext>
+            </a:extLst>
+          </p:cNvPr>
+          <p:cNvSpPr>
+            <a:spLocks noChangeArrowheads="1"/>
+          </p:cNvSpPr>
+          <p:nvPr/>
+        </p:nvSpPr>
+        <p:spPr bwMode="auto">
+          <a:xfrm>
+            <a:off x="1133622" y="2185809"/>
+            <a:ext cx="9977202" cy="3139321"/>
+          </a:xfrm>
+          <a:prstGeom prst="rect">
+            <a:avLst/>
+          </a:prstGeom>
+          <a:noFill/>
+          <a:ln>
+            <a:noFill/>
+          </a:ln>
+          <a:effectLst/>
+          <a:extLst>
+            <a:ext uri="{909E8E84-426E-40DD-AFC4-6F175D3DCCD1}">
+              <a14:hiddenFill xmlns:a14="http://schemas.microsoft.com/office/drawing/2010/main">
+                <a:solidFill>
+                  <a:schemeClr val="accent1"/>
+                </a:solidFill>
+              </a14:hiddenFill>
+            </a:ext>
+            <a:ext uri="{91240B29-F687-4F45-9708-019B960494DF}">
+              <a14:hiddenLine xmlns:a14="http://schemas.microsoft.com/office/drawing/2010/main" w="9525">
+                <a:solidFill>
+                  <a:schemeClr val="tx1"/>
+                </a:solidFill>
+                <a:miter lim="800000"/>
+                <a:headEnd/>
+                <a:tailEnd/>
+              </a14:hiddenLine>
+            </a:ext>
+            <a:ext uri="{AF507438-7753-43E0-B8FC-AC1667EBCBE1}">
+              <a14:hiddenEffects xmlns:a14="http://schemas.microsoft.com/office/drawing/2010/main">
+                <a:effectLst>
+                  <a:outerShdw dist="35921" dir="2700000" algn="ctr" rotWithShape="0">
+                    <a:schemeClr val="bg2"/>
+                  </a:outerShdw>
+                </a:effectLst>
+              </a14:hiddenEffects>
+            </a:ext>
+          </a:extLst>
+        </p:spPr>
+        <p:txBody>
+          <a:bodyPr vert="horz" wrap="square" lIns="91440" tIns="45720" rIns="91440" bIns="45720" numCol="1" anchor="ctr" anchorCtr="0" compatLnSpc="1">
+            <a:prstTxWarp prst="textNoShape">
+              <a:avLst/>
+            </a:prstTxWarp>
+            <a:spAutoFit/>
+          </a:bodyPr>
+          <a:lstStyle/>
+          <a:p>
+            <a:pPr>
+              <a:buNone/>
+            </a:pPr>
+            <a:r>
+              <a:rPr lang="ko-KR" altLang="en-US" b="1" dirty="0"/>
+              <a:t>🔹 부동산기능 추가</a:t>
+            </a:r>
+            <a:r>
+              <a:rPr lang="en-US" altLang="ko-KR" b="1" dirty="0"/>
+              <a:t>.</a:t>
+            </a:r>
+            <a:endParaRPr lang="en-US" altLang="ko-KR" dirty="0"/>
+          </a:p>
+          <a:p>
+            <a:pPr>
+              <a:buNone/>
+            </a:pPr>
+            <a:r>
+              <a:rPr lang="ko-KR" altLang="en-US" b="1" dirty="0"/>
+              <a:t>문제 설명</a:t>
+            </a:r>
+            <a:endParaRPr lang="en-US" altLang="ko-KR" b="1" dirty="0"/>
+          </a:p>
+          <a:p>
+            <a:pPr>
+              <a:buNone/>
+            </a:pPr>
+            <a:r>
+              <a:rPr lang="en-US" altLang="ko-KR" b="1" dirty="0"/>
+              <a:t>1. </a:t>
+            </a:r>
+            <a:r>
+              <a:rPr lang="ko-KR" altLang="en-US" dirty="0">
+                <a:latin typeface="+mn-ea"/>
+              </a:rPr>
+              <a:t>최초 </a:t>
+            </a:r>
+            <a:r>
+              <a:rPr lang="ko-KR" altLang="en-US" dirty="0" err="1">
+                <a:latin typeface="+mn-ea"/>
+              </a:rPr>
+              <a:t>실행시</a:t>
+            </a:r>
+            <a:r>
+              <a:rPr lang="ko-KR" altLang="en-US" dirty="0">
+                <a:latin typeface="+mn-ea"/>
+              </a:rPr>
+              <a:t> </a:t>
+            </a:r>
+            <a:r>
+              <a:rPr lang="en-US" altLang="ko-KR" dirty="0">
+                <a:latin typeface="+mn-ea"/>
+              </a:rPr>
+              <a:t>1 </a:t>
+            </a:r>
+            <a:r>
+              <a:rPr lang="ko-KR" altLang="en-US" dirty="0">
+                <a:latin typeface="+mn-ea"/>
+              </a:rPr>
+              <a:t>번은 은행 </a:t>
+            </a:r>
+            <a:r>
+              <a:rPr lang="ko-KR" altLang="en-US" dirty="0" err="1">
+                <a:latin typeface="+mn-ea"/>
+              </a:rPr>
+              <a:t>매뉴</a:t>
+            </a:r>
+            <a:r>
+              <a:rPr lang="ko-KR" altLang="en-US" dirty="0">
+                <a:latin typeface="+mn-ea"/>
+              </a:rPr>
+              <a:t> </a:t>
+            </a:r>
+            <a:r>
+              <a:rPr lang="en-US" altLang="ko-KR" dirty="0">
+                <a:latin typeface="+mn-ea"/>
+              </a:rPr>
+              <a:t>2</a:t>
+            </a:r>
+            <a:r>
+              <a:rPr lang="ko-KR" altLang="en-US" dirty="0">
+                <a:latin typeface="+mn-ea"/>
+              </a:rPr>
+              <a:t>번은 부동산 기능으로 실행 된다</a:t>
+            </a:r>
+            <a:r>
+              <a:rPr lang="en-US" altLang="ko-KR" dirty="0">
+                <a:latin typeface="+mn-ea"/>
+              </a:rPr>
+              <a:t>. </a:t>
+            </a:r>
+          </a:p>
+          <a:p>
+            <a:pPr>
+              <a:buNone/>
+            </a:pPr>
+            <a:r>
+              <a:rPr lang="en-US" altLang="ko-KR" b="1" dirty="0"/>
+              <a:t>2. </a:t>
+            </a:r>
+            <a:r>
+              <a:rPr lang="ko-KR" altLang="en-US" dirty="0"/>
+              <a:t>부동산 기능은 매물조회</a:t>
+            </a:r>
+            <a:r>
+              <a:rPr lang="en-US" altLang="ko-KR" dirty="0"/>
+              <a:t>, </a:t>
+            </a:r>
+            <a:r>
+              <a:rPr lang="ko-KR" altLang="en-US" dirty="0"/>
+              <a:t>구매</a:t>
+            </a:r>
+            <a:r>
+              <a:rPr lang="en-US" altLang="ko-KR" dirty="0"/>
+              <a:t>,</a:t>
+            </a:r>
+            <a:r>
+              <a:rPr lang="ko-KR" altLang="en-US" dirty="0"/>
+              <a:t>판매 기능이 존재 한다</a:t>
+            </a:r>
+            <a:r>
+              <a:rPr lang="en-US" altLang="ko-KR" dirty="0"/>
+              <a:t>. </a:t>
+            </a:r>
+          </a:p>
+          <a:p>
+            <a:pPr>
+              <a:buNone/>
+            </a:pPr>
+            <a:endParaRPr lang="en-US" altLang="ko-KR" b="1" dirty="0"/>
+          </a:p>
+          <a:p>
+            <a:pPr>
+              <a:buNone/>
+            </a:pPr>
+            <a:r>
+              <a:rPr lang="ko-KR" altLang="en-US" b="1" dirty="0"/>
+              <a:t>문제 요구사항</a:t>
+            </a:r>
+          </a:p>
+          <a:p>
+            <a:pPr>
+              <a:buFont typeface="+mj-lt"/>
+              <a:buAutoNum type="arabicPeriod"/>
+            </a:pPr>
+            <a:r>
+              <a:rPr lang="ko-KR" altLang="en-US" dirty="0"/>
+              <a:t>부동산 매물은 </a:t>
+            </a:r>
+            <a:r>
+              <a:rPr lang="en-US" altLang="ko-KR" dirty="0"/>
+              <a:t>1</a:t>
+            </a:r>
+            <a:r>
+              <a:rPr lang="ko-KR" altLang="en-US" dirty="0"/>
+              <a:t>분 마다 매물이 추가 되거나 거래 된다</a:t>
+            </a:r>
+            <a:r>
+              <a:rPr lang="en-US" altLang="ko-KR" dirty="0"/>
+              <a:t>.</a:t>
+            </a:r>
+          </a:p>
+          <a:p>
+            <a:pPr>
+              <a:buFont typeface="+mj-lt"/>
+              <a:buAutoNum type="arabicPeriod"/>
+            </a:pPr>
+            <a:r>
+              <a:rPr lang="ko-KR" altLang="en-US" dirty="0"/>
+              <a:t>부동산 구매는 매물을 선택 하여 구매 가능하고</a:t>
+            </a:r>
+            <a:r>
+              <a:rPr lang="en-US" altLang="ko-KR" dirty="0"/>
+              <a:t>. </a:t>
+            </a:r>
+            <a:r>
+              <a:rPr lang="ko-KR" altLang="en-US" dirty="0"/>
+              <a:t>구매는 고객의 계좌 잔액 보다 작아야 한다</a:t>
+            </a:r>
+            <a:r>
+              <a:rPr lang="en-US" altLang="ko-KR" dirty="0"/>
+              <a:t>.</a:t>
+            </a:r>
+          </a:p>
+          <a:p>
+            <a:pPr>
+              <a:buFont typeface="+mj-lt"/>
+              <a:buAutoNum type="arabicPeriod"/>
+            </a:pPr>
+            <a:r>
+              <a:rPr lang="ko-KR" altLang="en-US" dirty="0" err="1"/>
+              <a:t>구매후</a:t>
+            </a:r>
+            <a:r>
+              <a:rPr lang="ko-KR" altLang="en-US" dirty="0"/>
+              <a:t> 부동산 금액 만큼 계좌에서 출금 된다</a:t>
+            </a:r>
+            <a:r>
+              <a:rPr lang="en-US" altLang="ko-KR" dirty="0"/>
+              <a:t>. </a:t>
+            </a:r>
+          </a:p>
+          <a:p>
+            <a:pPr>
+              <a:buFont typeface="+mj-lt"/>
+              <a:buAutoNum type="arabicPeriod"/>
+            </a:pPr>
+            <a:r>
+              <a:rPr lang="en-US" altLang="ko-KR" dirty="0"/>
+              <a:t> </a:t>
+            </a:r>
+            <a:r>
+              <a:rPr lang="ko-KR" altLang="en-US" dirty="0"/>
+              <a:t>판매는 고객이 보유한 부동산 중에서 판매가 가능 하다</a:t>
+            </a:r>
+            <a:r>
+              <a:rPr lang="en-US" altLang="ko-KR" dirty="0"/>
+              <a:t>. </a:t>
+            </a:r>
+          </a:p>
+          <a:p>
+            <a:pPr>
+              <a:buFont typeface="+mj-lt"/>
+              <a:buAutoNum type="arabicPeriod"/>
+            </a:pPr>
+            <a:r>
+              <a:rPr lang="ko-KR" altLang="en-US" dirty="0"/>
+              <a:t>판매 후에는 금액만큼 계좌에 바로 입금 된다</a:t>
+            </a:r>
+            <a:r>
+              <a:rPr lang="en-US" altLang="ko-KR" dirty="0"/>
+              <a:t>. </a:t>
+            </a:r>
+          </a:p>
+        </p:txBody>
+      </p:sp>
+      <p:pic>
+        <p:nvPicPr>
+          <p:cNvPr id="3" name="그림 2">
+            <a:extLst>
+              <a:ext uri="{FF2B5EF4-FFF2-40B4-BE49-F238E27FC236}">
+                <a16:creationId xmlns:a16="http://schemas.microsoft.com/office/drawing/2014/main" id="{AC49896C-F9AB-D48A-34D7-5CB9819C6C69}"/>
+              </a:ext>
+            </a:extLst>
+          </p:cNvPr>
+          <p:cNvPicPr>
+            <a:picLocks noChangeAspect="1"/>
+          </p:cNvPicPr>
+          <p:nvPr/>
+        </p:nvPicPr>
+        <p:blipFill>
+          <a:blip r:embed="rId2"/>
+          <a:stretch>
+            <a:fillRect/>
+          </a:stretch>
+        </p:blipFill>
+        <p:spPr>
+          <a:xfrm>
+            <a:off x="9816860" y="4757999"/>
+            <a:ext cx="2298851" cy="2037370"/>
+          </a:xfrm>
+          <a:prstGeom prst="rect">
+            <a:avLst/>
+          </a:prstGeom>
+        </p:spPr>
+      </p:pic>
+    </p:spTree>
+    <p:extLst>
+      <p:ext uri="{BB962C8B-B14F-4D97-AF65-F5344CB8AC3E}">
+        <p14:creationId xmlns:p14="http://schemas.microsoft.com/office/powerpoint/2010/main" val="3087743593"/>
       </p:ext>
     </p:extLst>
   </p:cSld>

--- a/수업교제/2025/1학기/파이썬 기초07.pptx
+++ b/수업교제/2025/1학기/파이썬 기초07.pptx
@@ -286,7 +286,7 @@
             <a:fld id="{87DE6118-2437-4B30-8E3C-4D2BE6020583}" type="datetimeFigureOut">
               <a:rPr lang="en-US" dirty="0"/>
               <a:pPr/>
-              <a:t>5/29/2025</a:t>
+              <a:t>5/30/2025</a:t>
             </a:fld>
             <a:endParaRPr lang="en-US" dirty="0"/>
           </a:p>
@@ -612,7 +612,7 @@
           <a:p>
             <a:fld id="{87DE6118-2437-4B30-8E3C-4D2BE6020583}" type="datetimeFigureOut">
               <a:rPr lang="en-US" dirty="0"/>
-              <a:t>5/29/2025</a:t>
+              <a:t>5/30/2025</a:t>
             </a:fld>
             <a:endParaRPr lang="en-US" dirty="0"/>
           </a:p>
@@ -787,7 +787,7 @@
           <a:p>
             <a:fld id="{87DE6118-2437-4B30-8E3C-4D2BE6020583}" type="datetimeFigureOut">
               <a:rPr lang="en-US" dirty="0"/>
-              <a:t>5/29/2025</a:t>
+              <a:t>5/30/2025</a:t>
             </a:fld>
             <a:endParaRPr lang="en-US" dirty="0"/>
           </a:p>
@@ -952,7 +952,7 @@
           <a:p>
             <a:fld id="{87DE6118-2437-4B30-8E3C-4D2BE6020583}" type="datetimeFigureOut">
               <a:rPr lang="en-US" dirty="0"/>
-              <a:t>5/29/2025</a:t>
+              <a:t>5/30/2025</a:t>
             </a:fld>
             <a:endParaRPr lang="en-US" dirty="0"/>
           </a:p>
@@ -1225,7 +1225,7 @@
             <a:fld id="{87DE6118-2437-4B30-8E3C-4D2BE6020583}" type="datetimeFigureOut">
               <a:rPr lang="en-US" dirty="0"/>
               <a:pPr/>
-              <a:t>5/29/2025</a:t>
+              <a:t>5/30/2025</a:t>
             </a:fld>
             <a:endParaRPr lang="en-US" dirty="0"/>
           </a:p>
@@ -1615,7 +1615,7 @@
           <a:p>
             <a:fld id="{87DE6118-2437-4B30-8E3C-4D2BE6020583}" type="datetimeFigureOut">
               <a:rPr lang="en-US" dirty="0"/>
-              <a:t>5/29/2025</a:t>
+              <a:t>5/30/2025</a:t>
             </a:fld>
             <a:endParaRPr lang="en-US" dirty="0"/>
           </a:p>
@@ -2087,7 +2087,7 @@
           <a:p>
             <a:fld id="{87DE6118-2437-4B30-8E3C-4D2BE6020583}" type="datetimeFigureOut">
               <a:rPr lang="en-US" dirty="0"/>
-              <a:t>5/29/2025</a:t>
+              <a:t>5/30/2025</a:t>
             </a:fld>
             <a:endParaRPr lang="en-US" dirty="0"/>
           </a:p>
@@ -2200,7 +2200,7 @@
           <a:p>
             <a:fld id="{87DE6118-2437-4B30-8E3C-4D2BE6020583}" type="datetimeFigureOut">
               <a:rPr lang="en-US" dirty="0"/>
-              <a:t>5/29/2025</a:t>
+              <a:t>5/30/2025</a:t>
             </a:fld>
             <a:endParaRPr lang="en-US" dirty="0"/>
           </a:p>
@@ -2290,7 +2290,7 @@
           <a:p>
             <a:fld id="{87DE6118-2437-4B30-8E3C-4D2BE6020583}" type="datetimeFigureOut">
               <a:rPr lang="en-US" dirty="0"/>
-              <a:t>5/29/2025</a:t>
+              <a:t>5/30/2025</a:t>
             </a:fld>
             <a:endParaRPr lang="en-US" dirty="0"/>
           </a:p>
@@ -2632,7 +2632,7 @@
             <a:fld id="{87DE6118-2437-4B30-8E3C-4D2BE6020583}" type="datetimeFigureOut">
               <a:rPr lang="en-US" dirty="0"/>
               <a:pPr/>
-              <a:t>5/29/2025</a:t>
+              <a:t>5/30/2025</a:t>
             </a:fld>
             <a:endParaRPr lang="en-US" dirty="0"/>
           </a:p>
@@ -3017,7 +3017,7 @@
             <a:fld id="{87DE6118-2437-4B30-8E3C-4D2BE6020583}" type="datetimeFigureOut">
               <a:rPr lang="en-US" dirty="0"/>
               <a:pPr/>
-              <a:t>5/29/2025</a:t>
+              <a:t>5/30/2025</a:t>
             </a:fld>
             <a:endParaRPr lang="en-US" dirty="0"/>
           </a:p>
@@ -3292,7 +3292,7 @@
             <a:fld id="{87DE6118-2437-4B30-8E3C-4D2BE6020583}" type="datetimeFigureOut">
               <a:rPr lang="en-US" dirty="0"/>
               <a:pPr/>
-              <a:t>5/29/2025</a:t>
+              <a:t>5/30/2025</a:t>
             </a:fld>
             <a:endParaRPr lang="en-US" dirty="0"/>
           </a:p>
@@ -3847,7 +3847,7 @@
         <p:push/>
       </p:transition>
     </mc:Choice>
-    <mc:Fallback xmlns:dsp="http://schemas.microsoft.com/office/drawing/2008/diagram" xmlns:dgm="http://schemas.openxmlformats.org/drawingml/2006/diagram" xmlns:c="http://schemas.openxmlformats.org/drawingml/2006/chart" xmlns="">
+    <mc:Fallback xmlns="" xmlns:c="http://schemas.openxmlformats.org/drawingml/2006/chart" xmlns:dgm="http://schemas.openxmlformats.org/drawingml/2006/diagram" xmlns:dsp="http://schemas.microsoft.com/office/drawing/2008/diagram">
       <p:transition xmlns:mc="http://schemas.openxmlformats.org/markup-compatibility/2006" xmlns:hp="http://schemas.haansoft.com/office/presentation/8.0" spd="med" mc:Ignorable="hp" hp:hslDur="1000">
         <p:fade/>
       </p:transition>
@@ -5005,7 +5005,15 @@
             </a:r>
             <a:r>
               <a:rPr lang="en-US" altLang="ko-KR" dirty="0"/>
-              <a:t>USD</a:t>
+              <a:t>USD </a:t>
+            </a:r>
+            <a:r>
+              <a:rPr lang="ko-KR" altLang="en-US" dirty="0"/>
+              <a:t>혹은 </a:t>
+            </a:r>
+            <a:r>
+              <a:rPr lang="en-US" altLang="ko-KR" dirty="0"/>
+              <a:t>WON</a:t>
             </a:r>
             <a:r>
               <a:rPr lang="ko-KR" altLang="en-US" dirty="0"/>
